--- a/Slides/Football 5/Footballl_5_Lecture.pptx
+++ b/Slides/Football 5/Footballl_5_Lecture.pptx
@@ -218,7 +218,7 @@
           <a:p>
             <a:fld id="{C04E5E84-956F-4423-97B3-5936A6D8EEEE}" type="datetimeFigureOut">
               <a:rPr lang="en-US" smtClean="0"/>
-              <a:t>10/24/2019</a:t>
+              <a:t>10/26/2020</a:t>
             </a:fld>
             <a:endParaRPr lang="en-US"/>
           </a:p>
@@ -670,7 +670,7 @@
           <a:p>
             <a:fld id="{3881C039-66A3-4640-815B-3B5A8B7D868D}" type="datetimeFigureOut">
               <a:rPr lang="en-US" smtClean="0"/>
-              <a:t>10/24/2019</a:t>
+              <a:t>10/26/2020</a:t>
             </a:fld>
             <a:endParaRPr lang="en-US"/>
           </a:p>
@@ -968,7 +968,7 @@
           <a:p>
             <a:fld id="{3881C039-66A3-4640-815B-3B5A8B7D868D}" type="datetimeFigureOut">
               <a:rPr lang="en-US" smtClean="0"/>
-              <a:t>10/24/2019</a:t>
+              <a:t>10/26/2020</a:t>
             </a:fld>
             <a:endParaRPr lang="en-US"/>
           </a:p>
@@ -1160,7 +1160,7 @@
           <a:p>
             <a:fld id="{3881C039-66A3-4640-815B-3B5A8B7D868D}" type="datetimeFigureOut">
               <a:rPr lang="en-US" smtClean="0"/>
-              <a:t>10/24/2019</a:t>
+              <a:t>10/26/2020</a:t>
             </a:fld>
             <a:endParaRPr lang="en-US"/>
           </a:p>
@@ -1421,7 +1421,7 @@
           <a:p>
             <a:fld id="{3881C039-66A3-4640-815B-3B5A8B7D868D}" type="datetimeFigureOut">
               <a:rPr lang="en-US" smtClean="0"/>
-              <a:t>10/24/2019</a:t>
+              <a:t>10/26/2020</a:t>
             </a:fld>
             <a:endParaRPr lang="en-US"/>
           </a:p>
@@ -1845,7 +1845,7 @@
           <a:p>
             <a:fld id="{3881C039-66A3-4640-815B-3B5A8B7D868D}" type="datetimeFigureOut">
               <a:rPr lang="en-US" smtClean="0"/>
-              <a:t>10/24/2019</a:t>
+              <a:t>10/26/2020</a:t>
             </a:fld>
             <a:endParaRPr lang="en-US"/>
           </a:p>
@@ -2382,7 +2382,7 @@
           <a:p>
             <a:fld id="{3881C039-66A3-4640-815B-3B5A8B7D868D}" type="datetimeFigureOut">
               <a:rPr lang="en-US" smtClean="0"/>
-              <a:t>10/24/2019</a:t>
+              <a:t>10/26/2020</a:t>
             </a:fld>
             <a:endParaRPr lang="en-US"/>
           </a:p>
@@ -3246,7 +3246,7 @@
           <a:p>
             <a:fld id="{3881C039-66A3-4640-815B-3B5A8B7D868D}" type="datetimeFigureOut">
               <a:rPr lang="en-US" smtClean="0"/>
-              <a:t>10/24/2019</a:t>
+              <a:t>10/26/2020</a:t>
             </a:fld>
             <a:endParaRPr lang="en-US"/>
           </a:p>
@@ -3416,7 +3416,7 @@
           <a:p>
             <a:fld id="{3881C039-66A3-4640-815B-3B5A8B7D868D}" type="datetimeFigureOut">
               <a:rPr lang="en-US" smtClean="0"/>
-              <a:t>10/24/2019</a:t>
+              <a:t>10/26/2020</a:t>
             </a:fld>
             <a:endParaRPr lang="en-US"/>
           </a:p>
@@ -3600,7 +3600,7 @@
           <a:p>
             <a:fld id="{3881C039-66A3-4640-815B-3B5A8B7D868D}" type="datetimeFigureOut">
               <a:rPr lang="en-US" smtClean="0"/>
-              <a:t>10/24/2019</a:t>
+              <a:t>10/26/2020</a:t>
             </a:fld>
             <a:endParaRPr lang="en-US"/>
           </a:p>
@@ -3770,7 +3770,7 @@
           <a:p>
             <a:fld id="{3881C039-66A3-4640-815B-3B5A8B7D868D}" type="datetimeFigureOut">
               <a:rPr lang="en-US" smtClean="0"/>
-              <a:t>10/24/2019</a:t>
+              <a:t>10/26/2020</a:t>
             </a:fld>
             <a:endParaRPr lang="en-US"/>
           </a:p>
@@ -4014,7 +4014,7 @@
           <a:p>
             <a:fld id="{3881C039-66A3-4640-815B-3B5A8B7D868D}" type="datetimeFigureOut">
               <a:rPr lang="en-US" smtClean="0"/>
-              <a:t>10/24/2019</a:t>
+              <a:t>10/26/2020</a:t>
             </a:fld>
             <a:endParaRPr lang="en-US"/>
           </a:p>
@@ -4250,7 +4250,7 @@
           <a:p>
             <a:fld id="{3881C039-66A3-4640-815B-3B5A8B7D868D}" type="datetimeFigureOut">
               <a:rPr lang="en-US" smtClean="0"/>
-              <a:t>10/24/2019</a:t>
+              <a:t>10/26/2020</a:t>
             </a:fld>
             <a:endParaRPr lang="en-US"/>
           </a:p>
@@ -4716,7 +4716,7 @@
           <a:p>
             <a:fld id="{3881C039-66A3-4640-815B-3B5A8B7D868D}" type="datetimeFigureOut">
               <a:rPr lang="en-US" smtClean="0"/>
-              <a:t>10/24/2019</a:t>
+              <a:t>10/26/2020</a:t>
             </a:fld>
             <a:endParaRPr lang="en-US"/>
           </a:p>
@@ -4834,7 +4834,7 @@
           <a:p>
             <a:fld id="{3881C039-66A3-4640-815B-3B5A8B7D868D}" type="datetimeFigureOut">
               <a:rPr lang="en-US" smtClean="0"/>
-              <a:t>10/24/2019</a:t>
+              <a:t>10/26/2020</a:t>
             </a:fld>
             <a:endParaRPr lang="en-US"/>
           </a:p>
@@ -4929,7 +4929,7 @@
           <a:p>
             <a:fld id="{3881C039-66A3-4640-815B-3B5A8B7D868D}" type="datetimeFigureOut">
               <a:rPr lang="en-US" smtClean="0"/>
-              <a:t>10/24/2019</a:t>
+              <a:t>10/26/2020</a:t>
             </a:fld>
             <a:endParaRPr lang="en-US"/>
           </a:p>
@@ -5184,7 +5184,7 @@
           <a:p>
             <a:fld id="{3881C039-66A3-4640-815B-3B5A8B7D868D}" type="datetimeFigureOut">
               <a:rPr lang="en-US" smtClean="0"/>
-              <a:t>10/24/2019</a:t>
+              <a:t>10/26/2020</a:t>
             </a:fld>
             <a:endParaRPr lang="en-US"/>
           </a:p>
@@ -5484,7 +5484,7 @@
           <a:p>
             <a:fld id="{3881C039-66A3-4640-815B-3B5A8B7D868D}" type="datetimeFigureOut">
               <a:rPr lang="en-US" smtClean="0"/>
-              <a:t>10/24/2019</a:t>
+              <a:t>10/26/2020</a:t>
             </a:fld>
             <a:endParaRPr lang="en-US"/>
           </a:p>
@@ -5718,7 +5718,7 @@
           <a:p>
             <a:fld id="{3881C039-66A3-4640-815B-3B5A8B7D868D}" type="datetimeFigureOut">
               <a:rPr lang="en-US" smtClean="0"/>
-              <a:t>10/24/2019</a:t>
+              <a:t>10/26/2020</a:t>
             </a:fld>
             <a:endParaRPr lang="en-US"/>
           </a:p>

--- a/Slides/Football 5/Footballl_5_Lecture.pptx
+++ b/Slides/Football 5/Footballl_5_Lecture.pptx
@@ -222,7 +222,7 @@
           <a:p>
             <a:fld id="{C04E5E84-956F-4423-97B3-5936A6D8EEEE}" type="datetimeFigureOut">
               <a:rPr lang="en-US" smtClean="0"/>
-              <a:t>4/11/2023</a:t>
+              <a:t>4/24/2024</a:t>
             </a:fld>
             <a:endParaRPr lang="en-US"/>
           </a:p>
@@ -674,7 +674,7 @@
           <a:p>
             <a:fld id="{3881C039-66A3-4640-815B-3B5A8B7D868D}" type="datetimeFigureOut">
               <a:rPr lang="en-US" smtClean="0"/>
-              <a:t>4/11/2023</a:t>
+              <a:t>4/24/2024</a:t>
             </a:fld>
             <a:endParaRPr lang="en-US"/>
           </a:p>
@@ -972,7 +972,7 @@
           <a:p>
             <a:fld id="{3881C039-66A3-4640-815B-3B5A8B7D868D}" type="datetimeFigureOut">
               <a:rPr lang="en-US" smtClean="0"/>
-              <a:t>4/11/2023</a:t>
+              <a:t>4/24/2024</a:t>
             </a:fld>
             <a:endParaRPr lang="en-US"/>
           </a:p>
@@ -1164,7 +1164,7 @@
           <a:p>
             <a:fld id="{3881C039-66A3-4640-815B-3B5A8B7D868D}" type="datetimeFigureOut">
               <a:rPr lang="en-US" smtClean="0"/>
-              <a:t>4/11/2023</a:t>
+              <a:t>4/24/2024</a:t>
             </a:fld>
             <a:endParaRPr lang="en-US"/>
           </a:p>
@@ -1425,7 +1425,7 @@
           <a:p>
             <a:fld id="{3881C039-66A3-4640-815B-3B5A8B7D868D}" type="datetimeFigureOut">
               <a:rPr lang="en-US" smtClean="0"/>
-              <a:t>4/11/2023</a:t>
+              <a:t>4/24/2024</a:t>
             </a:fld>
             <a:endParaRPr lang="en-US"/>
           </a:p>
@@ -1849,7 +1849,7 @@
           <a:p>
             <a:fld id="{3881C039-66A3-4640-815B-3B5A8B7D868D}" type="datetimeFigureOut">
               <a:rPr lang="en-US" smtClean="0"/>
-              <a:t>4/11/2023</a:t>
+              <a:t>4/24/2024</a:t>
             </a:fld>
             <a:endParaRPr lang="en-US"/>
           </a:p>
@@ -2386,7 +2386,7 @@
           <a:p>
             <a:fld id="{3881C039-66A3-4640-815B-3B5A8B7D868D}" type="datetimeFigureOut">
               <a:rPr lang="en-US" smtClean="0"/>
-              <a:t>4/11/2023</a:t>
+              <a:t>4/24/2024</a:t>
             </a:fld>
             <a:endParaRPr lang="en-US"/>
           </a:p>
@@ -3250,7 +3250,7 @@
           <a:p>
             <a:fld id="{3881C039-66A3-4640-815B-3B5A8B7D868D}" type="datetimeFigureOut">
               <a:rPr lang="en-US" smtClean="0"/>
-              <a:t>4/11/2023</a:t>
+              <a:t>4/24/2024</a:t>
             </a:fld>
             <a:endParaRPr lang="en-US"/>
           </a:p>
@@ -3420,7 +3420,7 @@
           <a:p>
             <a:fld id="{3881C039-66A3-4640-815B-3B5A8B7D868D}" type="datetimeFigureOut">
               <a:rPr lang="en-US" smtClean="0"/>
-              <a:t>4/11/2023</a:t>
+              <a:t>4/24/2024</a:t>
             </a:fld>
             <a:endParaRPr lang="en-US"/>
           </a:p>
@@ -3604,7 +3604,7 @@
           <a:p>
             <a:fld id="{3881C039-66A3-4640-815B-3B5A8B7D868D}" type="datetimeFigureOut">
               <a:rPr lang="en-US" smtClean="0"/>
-              <a:t>4/11/2023</a:t>
+              <a:t>4/24/2024</a:t>
             </a:fld>
             <a:endParaRPr lang="en-US"/>
           </a:p>
@@ -3774,7 +3774,7 @@
           <a:p>
             <a:fld id="{3881C039-66A3-4640-815B-3B5A8B7D868D}" type="datetimeFigureOut">
               <a:rPr lang="en-US" smtClean="0"/>
-              <a:t>4/11/2023</a:t>
+              <a:t>4/24/2024</a:t>
             </a:fld>
             <a:endParaRPr lang="en-US"/>
           </a:p>
@@ -4018,7 +4018,7 @@
           <a:p>
             <a:fld id="{3881C039-66A3-4640-815B-3B5A8B7D868D}" type="datetimeFigureOut">
               <a:rPr lang="en-US" smtClean="0"/>
-              <a:t>4/11/2023</a:t>
+              <a:t>4/24/2024</a:t>
             </a:fld>
             <a:endParaRPr lang="en-US"/>
           </a:p>
@@ -4254,7 +4254,7 @@
           <a:p>
             <a:fld id="{3881C039-66A3-4640-815B-3B5A8B7D868D}" type="datetimeFigureOut">
               <a:rPr lang="en-US" smtClean="0"/>
-              <a:t>4/11/2023</a:t>
+              <a:t>4/24/2024</a:t>
             </a:fld>
             <a:endParaRPr lang="en-US"/>
           </a:p>
@@ -4720,7 +4720,7 @@
           <a:p>
             <a:fld id="{3881C039-66A3-4640-815B-3B5A8B7D868D}" type="datetimeFigureOut">
               <a:rPr lang="en-US" smtClean="0"/>
-              <a:t>4/11/2023</a:t>
+              <a:t>4/24/2024</a:t>
             </a:fld>
             <a:endParaRPr lang="en-US"/>
           </a:p>
@@ -4838,7 +4838,7 @@
           <a:p>
             <a:fld id="{3881C039-66A3-4640-815B-3B5A8B7D868D}" type="datetimeFigureOut">
               <a:rPr lang="en-US" smtClean="0"/>
-              <a:t>4/11/2023</a:t>
+              <a:t>4/24/2024</a:t>
             </a:fld>
             <a:endParaRPr lang="en-US"/>
           </a:p>
@@ -4933,7 +4933,7 @@
           <a:p>
             <a:fld id="{3881C039-66A3-4640-815B-3B5A8B7D868D}" type="datetimeFigureOut">
               <a:rPr lang="en-US" smtClean="0"/>
-              <a:t>4/11/2023</a:t>
+              <a:t>4/24/2024</a:t>
             </a:fld>
             <a:endParaRPr lang="en-US"/>
           </a:p>
@@ -5188,7 +5188,7 @@
           <a:p>
             <a:fld id="{3881C039-66A3-4640-815B-3B5A8B7D868D}" type="datetimeFigureOut">
               <a:rPr lang="en-US" smtClean="0"/>
-              <a:t>4/11/2023</a:t>
+              <a:t>4/24/2024</a:t>
             </a:fld>
             <a:endParaRPr lang="en-US"/>
           </a:p>
@@ -5488,7 +5488,7 @@
           <a:p>
             <a:fld id="{3881C039-66A3-4640-815B-3B5A8B7D868D}" type="datetimeFigureOut">
               <a:rPr lang="en-US" smtClean="0"/>
-              <a:t>4/11/2023</a:t>
+              <a:t>4/24/2024</a:t>
             </a:fld>
             <a:endParaRPr lang="en-US"/>
           </a:p>
@@ -5722,7 +5722,7 @@
           <a:p>
             <a:fld id="{3881C039-66A3-4640-815B-3B5A8B7D868D}" type="datetimeFigureOut">
               <a:rPr lang="en-US" smtClean="0"/>
-              <a:t>4/11/2023</a:t>
+              <a:t>4/24/2024</a:t>
             </a:fld>
             <a:endParaRPr lang="en-US"/>
           </a:p>
@@ -11085,7 +11085,7 @@
                       <m:rPr>
                         <m:sty m:val="p"/>
                       </m:rPr>
-                      <a:rPr lang="en-US" sz="1800" b="0" i="0" smtClean="0">
+                      <a:rPr lang="en-US" sz="1800">
                         <a:solidFill>
                           <a:schemeClr val="bg2">
                             <a:lumMod val="10000"/>
@@ -11095,7 +11095,7 @@
                         <a:effectLst/>
                         <a:latin typeface="Cambria Math" panose="02040503050406030204" pitchFamily="18" charset="0"/>
                       </a:rPr>
-                      <m:t>p</m:t>
+                      <m:t>t</m:t>
                     </m:r>
                     <m:r>
                       <a:rPr lang="en-US" sz="1800">
@@ -11108,20 +11108,7 @@
                         <a:effectLst/>
                         <a:latin typeface="Cambria Math" panose="02040503050406030204" pitchFamily="18" charset="0"/>
                       </a:rPr>
-                      <m:t>=</m:t>
-                    </m:r>
-                    <m:r>
-                      <a:rPr lang="en-US" sz="1800" b="0" i="0" smtClean="0">
-                        <a:solidFill>
-                          <a:schemeClr val="bg2">
-                            <a:lumMod val="10000"/>
-                            <a:lumOff val="90000"/>
-                          </a:schemeClr>
-                        </a:solidFill>
-                        <a:effectLst/>
-                        <a:latin typeface="Cambria Math" panose="02040503050406030204" pitchFamily="18" charset="0"/>
-                      </a:rPr>
-                      <m:t>0</m:t>
+                      <m:t>=0</m:t>
                     </m:r>
                   </m:oMath>
                 </a14:m>

--- a/Slides/Football 5/Footballl_5_Lecture.pptx
+++ b/Slides/Football 5/Footballl_5_Lecture.pptx
@@ -222,7 +222,7 @@
           <a:p>
             <a:fld id="{C04E5E84-956F-4423-97B3-5936A6D8EEEE}" type="datetimeFigureOut">
               <a:rPr lang="en-US" smtClean="0"/>
-              <a:t>4/24/2024</a:t>
+              <a:t>4/21/2025</a:t>
             </a:fld>
             <a:endParaRPr lang="en-US"/>
           </a:p>
@@ -674,7 +674,7 @@
           <a:p>
             <a:fld id="{3881C039-66A3-4640-815B-3B5A8B7D868D}" type="datetimeFigureOut">
               <a:rPr lang="en-US" smtClean="0"/>
-              <a:t>4/24/2024</a:t>
+              <a:t>4/21/2025</a:t>
             </a:fld>
             <a:endParaRPr lang="en-US"/>
           </a:p>
@@ -972,7 +972,7 @@
           <a:p>
             <a:fld id="{3881C039-66A3-4640-815B-3B5A8B7D868D}" type="datetimeFigureOut">
               <a:rPr lang="en-US" smtClean="0"/>
-              <a:t>4/24/2024</a:t>
+              <a:t>4/21/2025</a:t>
             </a:fld>
             <a:endParaRPr lang="en-US"/>
           </a:p>
@@ -1164,7 +1164,7 @@
           <a:p>
             <a:fld id="{3881C039-66A3-4640-815B-3B5A8B7D868D}" type="datetimeFigureOut">
               <a:rPr lang="en-US" smtClean="0"/>
-              <a:t>4/24/2024</a:t>
+              <a:t>4/21/2025</a:t>
             </a:fld>
             <a:endParaRPr lang="en-US"/>
           </a:p>
@@ -1425,7 +1425,7 @@
           <a:p>
             <a:fld id="{3881C039-66A3-4640-815B-3B5A8B7D868D}" type="datetimeFigureOut">
               <a:rPr lang="en-US" smtClean="0"/>
-              <a:t>4/24/2024</a:t>
+              <a:t>4/21/2025</a:t>
             </a:fld>
             <a:endParaRPr lang="en-US"/>
           </a:p>
@@ -1849,7 +1849,7 @@
           <a:p>
             <a:fld id="{3881C039-66A3-4640-815B-3B5A8B7D868D}" type="datetimeFigureOut">
               <a:rPr lang="en-US" smtClean="0"/>
-              <a:t>4/24/2024</a:t>
+              <a:t>4/21/2025</a:t>
             </a:fld>
             <a:endParaRPr lang="en-US"/>
           </a:p>
@@ -2386,7 +2386,7 @@
           <a:p>
             <a:fld id="{3881C039-66A3-4640-815B-3B5A8B7D868D}" type="datetimeFigureOut">
               <a:rPr lang="en-US" smtClean="0"/>
-              <a:t>4/24/2024</a:t>
+              <a:t>4/21/2025</a:t>
             </a:fld>
             <a:endParaRPr lang="en-US"/>
           </a:p>
@@ -3250,7 +3250,7 @@
           <a:p>
             <a:fld id="{3881C039-66A3-4640-815B-3B5A8B7D868D}" type="datetimeFigureOut">
               <a:rPr lang="en-US" smtClean="0"/>
-              <a:t>4/24/2024</a:t>
+              <a:t>4/21/2025</a:t>
             </a:fld>
             <a:endParaRPr lang="en-US"/>
           </a:p>
@@ -3420,7 +3420,7 @@
           <a:p>
             <a:fld id="{3881C039-66A3-4640-815B-3B5A8B7D868D}" type="datetimeFigureOut">
               <a:rPr lang="en-US" smtClean="0"/>
-              <a:t>4/24/2024</a:t>
+              <a:t>4/21/2025</a:t>
             </a:fld>
             <a:endParaRPr lang="en-US"/>
           </a:p>
@@ -3604,7 +3604,7 @@
           <a:p>
             <a:fld id="{3881C039-66A3-4640-815B-3B5A8B7D868D}" type="datetimeFigureOut">
               <a:rPr lang="en-US" smtClean="0"/>
-              <a:t>4/24/2024</a:t>
+              <a:t>4/21/2025</a:t>
             </a:fld>
             <a:endParaRPr lang="en-US"/>
           </a:p>
@@ -3774,7 +3774,7 @@
           <a:p>
             <a:fld id="{3881C039-66A3-4640-815B-3B5A8B7D868D}" type="datetimeFigureOut">
               <a:rPr lang="en-US" smtClean="0"/>
-              <a:t>4/24/2024</a:t>
+              <a:t>4/21/2025</a:t>
             </a:fld>
             <a:endParaRPr lang="en-US"/>
           </a:p>
@@ -4018,7 +4018,7 @@
           <a:p>
             <a:fld id="{3881C039-66A3-4640-815B-3B5A8B7D868D}" type="datetimeFigureOut">
               <a:rPr lang="en-US" smtClean="0"/>
-              <a:t>4/24/2024</a:t>
+              <a:t>4/21/2025</a:t>
             </a:fld>
             <a:endParaRPr lang="en-US"/>
           </a:p>
@@ -4254,7 +4254,7 @@
           <a:p>
             <a:fld id="{3881C039-66A3-4640-815B-3B5A8B7D868D}" type="datetimeFigureOut">
               <a:rPr lang="en-US" smtClean="0"/>
-              <a:t>4/24/2024</a:t>
+              <a:t>4/21/2025</a:t>
             </a:fld>
             <a:endParaRPr lang="en-US"/>
           </a:p>
@@ -4720,7 +4720,7 @@
           <a:p>
             <a:fld id="{3881C039-66A3-4640-815B-3B5A8B7D868D}" type="datetimeFigureOut">
               <a:rPr lang="en-US" smtClean="0"/>
-              <a:t>4/24/2024</a:t>
+              <a:t>4/21/2025</a:t>
             </a:fld>
             <a:endParaRPr lang="en-US"/>
           </a:p>
@@ -4838,7 +4838,7 @@
           <a:p>
             <a:fld id="{3881C039-66A3-4640-815B-3B5A8B7D868D}" type="datetimeFigureOut">
               <a:rPr lang="en-US" smtClean="0"/>
-              <a:t>4/24/2024</a:t>
+              <a:t>4/21/2025</a:t>
             </a:fld>
             <a:endParaRPr lang="en-US"/>
           </a:p>
@@ -4933,7 +4933,7 @@
           <a:p>
             <a:fld id="{3881C039-66A3-4640-815B-3B5A8B7D868D}" type="datetimeFigureOut">
               <a:rPr lang="en-US" smtClean="0"/>
-              <a:t>4/24/2024</a:t>
+              <a:t>4/21/2025</a:t>
             </a:fld>
             <a:endParaRPr lang="en-US"/>
           </a:p>
@@ -5188,7 +5188,7 @@
           <a:p>
             <a:fld id="{3881C039-66A3-4640-815B-3B5A8B7D868D}" type="datetimeFigureOut">
               <a:rPr lang="en-US" smtClean="0"/>
-              <a:t>4/24/2024</a:t>
+              <a:t>4/21/2025</a:t>
             </a:fld>
             <a:endParaRPr lang="en-US"/>
           </a:p>
@@ -5488,7 +5488,7 @@
           <a:p>
             <a:fld id="{3881C039-66A3-4640-815B-3B5A8B7D868D}" type="datetimeFigureOut">
               <a:rPr lang="en-US" smtClean="0"/>
-              <a:t>4/24/2024</a:t>
+              <a:t>4/21/2025</a:t>
             </a:fld>
             <a:endParaRPr lang="en-US"/>
           </a:p>
@@ -5722,7 +5722,7 @@
           <a:p>
             <a:fld id="{3881C039-66A3-4640-815B-3B5A8B7D868D}" type="datetimeFigureOut">
               <a:rPr lang="en-US" smtClean="0"/>
-              <a:t>4/24/2024</a:t>
+              <a:t>4/21/2025</a:t>
             </a:fld>
             <a:endParaRPr lang="en-US"/>
           </a:p>
@@ -10836,8 +10836,8 @@
           </a:p>
         </p:txBody>
       </p:sp>
-      <mc:AlternateContent xmlns:mc="http://schemas.openxmlformats.org/markup-compatibility/2006" xmlns:a14="http://schemas.microsoft.com/office/drawing/2010/main">
-        <mc:Choice Requires="a14">
+      <mc:AlternateContent xmlns:mc="http://schemas.openxmlformats.org/markup-compatibility/2006">
+        <mc:Choice xmlns:a14="http://schemas.microsoft.com/office/drawing/2010/main" Requires="a14">
           <p:sp>
             <p:nvSpPr>
               <p:cNvPr id="24" name="Content Placeholder 2">
@@ -11370,8 +11370,31 @@
                     <a:effectLst/>
                     <a:latin typeface="Selawik Semibold" panose="020B0702040204020203" pitchFamily="34" charset="0"/>
                   </a:rPr>
-                  <a:t>Value of Offense Increased</a:t>
+                  <a:t>Expected Yards Gained Has Improved Overall </a:t>
                 </a:r>
+                <a:r>
+                  <a:rPr lang="en-US" sz="1800">
+                    <a:solidFill>
+                      <a:schemeClr val="bg2">
+                        <a:lumMod val="10000"/>
+                        <a:lumOff val="90000"/>
+                      </a:schemeClr>
+                    </a:solidFill>
+                    <a:effectLst/>
+                    <a:latin typeface="Selawik Semibold" panose="020B0702040204020203" pitchFamily="34" charset="0"/>
+                  </a:rPr>
+                  <a:t>from 0 Yards to 1 Yard</a:t>
+                </a:r>
+                <a:endParaRPr lang="en-US" sz="1800" dirty="0">
+                  <a:solidFill>
+                    <a:schemeClr val="bg2">
+                      <a:lumMod val="10000"/>
+                      <a:lumOff val="90000"/>
+                    </a:schemeClr>
+                  </a:solidFill>
+                  <a:effectLst/>
+                  <a:latin typeface="Selawik Semibold" panose="020B0702040204020203" pitchFamily="34" charset="0"/>
+                </a:endParaRPr>
               </a:p>
               <a:p>
                 <a:pPr marL="377100" lvl="1" indent="0">
@@ -11703,7 +11726,7 @@
             </p:txBody>
           </p:sp>
         </mc:Choice>
-        <mc:Fallback xmlns="">
+        <mc:Fallback>
           <p:sp>
             <p:nvSpPr>
               <p:cNvPr id="24" name="Content Placeholder 2">
